--- a/CS4920 Lab 3_v2.pptx
+++ b/CS4920 Lab 3_v2.pptx
@@ -4657,7 +4657,12 @@
             <p:ph idx="1"/>
           </p:nvPr>
         </p:nvSpPr>
-        <p:spPr/>
+        <p:spPr>
+          <a:xfrm>
+            <a:off x="581192" y="1818347"/>
+            <a:ext cx="11029615" cy="3634486"/>
+          </a:xfrm>
+        </p:spPr>
         <p:txBody>
           <a:bodyPr/>
           <a:lstStyle/>
@@ -4723,6 +4728,47 @@
           </a:p>
         </p:txBody>
       </p:sp>
+      <p:pic>
+        <p:nvPicPr>
+          <p:cNvPr id="5" name="Picture 4">
+            <a:extLst>
+              <a:ext uri="{FF2B5EF4-FFF2-40B4-BE49-F238E27FC236}">
+                <a16:creationId xmlns:a16="http://schemas.microsoft.com/office/drawing/2014/main" id="{EA997EA9-1581-7649-A4DF-03E65DF4D088}"/>
+              </a:ext>
+            </a:extLst>
+          </p:cNvPr>
+          <p:cNvPicPr>
+            <a:picLocks noChangeAspect="1"/>
+          </p:cNvPicPr>
+          <p:nvPr/>
+        </p:nvPicPr>
+        <p:blipFill>
+          <a:blip r:embed="rId2">
+            <a:extLst>
+              <a:ext uri="{28A0092B-C50C-407E-A947-70E740481C1C}">
+                <a14:useLocalDpi xmlns:a14="http://schemas.microsoft.com/office/drawing/2010/main" val="0"/>
+              </a:ext>
+            </a:extLst>
+          </a:blip>
+          <a:stretch>
+            <a:fillRect/>
+          </a:stretch>
+        </p:blipFill>
+        <p:spPr>
+          <a:xfrm>
+            <a:off x="2913017" y="4290228"/>
+            <a:ext cx="8595360" cy="1710256"/>
+          </a:xfrm>
+          <a:prstGeom prst="rect">
+            <a:avLst/>
+          </a:prstGeom>
+          <a:ln>
+            <a:solidFill>
+              <a:schemeClr val="tx1"/>
+            </a:solidFill>
+          </a:ln>
+        </p:spPr>
+      </p:pic>
     </p:spTree>
     <p:extLst>
       <p:ext uri="{BB962C8B-B14F-4D97-AF65-F5344CB8AC3E}">
@@ -4827,6 +4873,9 @@
               <a:rPr lang="en-US" dirty="0"/>
               <a:t>Because many AS features are not standardized, data manipulation and encoding will be necessary</a:t>
             </a:r>
+          </a:p>
+          <a:p>
+            <a:endParaRPr lang="en-US" dirty="0"/>
           </a:p>
           <a:p>
             <a:endParaRPr lang="en-US" dirty="0"/>
